--- a/미궁 제작 작업/PASSWORLD ESCAPE/TWO CLUES ESCAPER.pptx
+++ b/미궁 제작 작업/PASSWORLD ESCAPE/TWO CLUES ESCAPER.pptx
@@ -227,7 +227,7 @@
           <a:p>
             <a:fld id="{A5E7A989-83D6-4621-B400-1A7F6B835770}" type="datetimeFigureOut">
               <a:rPr lang="ko-KR" altLang="en-US" smtClean="0"/>
-              <a:t>2022-07-04</a:t>
+              <a:t>2022-07-17</a:t>
             </a:fld>
             <a:endParaRPr lang="ko-KR" altLang="en-US"/>
           </a:p>
@@ -794,7 +794,7 @@
           <a:p>
             <a:fld id="{C59B2F8B-1141-419B-B190-8B28C03E6AB8}" type="datetimeFigureOut">
               <a:rPr lang="ko-KR" altLang="en-US" smtClean="0"/>
-              <a:t>2022-07-04</a:t>
+              <a:t>2022-07-17</a:t>
             </a:fld>
             <a:endParaRPr lang="ko-KR" altLang="en-US"/>
           </a:p>
@@ -964,7 +964,7 @@
           <a:p>
             <a:fld id="{C59B2F8B-1141-419B-B190-8B28C03E6AB8}" type="datetimeFigureOut">
               <a:rPr lang="ko-KR" altLang="en-US" smtClean="0"/>
-              <a:t>2022-07-04</a:t>
+              <a:t>2022-07-17</a:t>
             </a:fld>
             <a:endParaRPr lang="ko-KR" altLang="en-US"/>
           </a:p>
@@ -1144,7 +1144,7 @@
           <a:p>
             <a:fld id="{C59B2F8B-1141-419B-B190-8B28C03E6AB8}" type="datetimeFigureOut">
               <a:rPr lang="ko-KR" altLang="en-US" smtClean="0"/>
-              <a:t>2022-07-04</a:t>
+              <a:t>2022-07-17</a:t>
             </a:fld>
             <a:endParaRPr lang="ko-KR" altLang="en-US"/>
           </a:p>
@@ -1314,7 +1314,7 @@
           <a:p>
             <a:fld id="{C59B2F8B-1141-419B-B190-8B28C03E6AB8}" type="datetimeFigureOut">
               <a:rPr lang="ko-KR" altLang="en-US" smtClean="0"/>
-              <a:t>2022-07-04</a:t>
+              <a:t>2022-07-17</a:t>
             </a:fld>
             <a:endParaRPr lang="ko-KR" altLang="en-US"/>
           </a:p>
@@ -1560,7 +1560,7 @@
           <a:p>
             <a:fld id="{C59B2F8B-1141-419B-B190-8B28C03E6AB8}" type="datetimeFigureOut">
               <a:rPr lang="ko-KR" altLang="en-US" smtClean="0"/>
-              <a:t>2022-07-04</a:t>
+              <a:t>2022-07-17</a:t>
             </a:fld>
             <a:endParaRPr lang="ko-KR" altLang="en-US"/>
           </a:p>
@@ -1792,7 +1792,7 @@
           <a:p>
             <a:fld id="{C59B2F8B-1141-419B-B190-8B28C03E6AB8}" type="datetimeFigureOut">
               <a:rPr lang="ko-KR" altLang="en-US" smtClean="0"/>
-              <a:t>2022-07-04</a:t>
+              <a:t>2022-07-17</a:t>
             </a:fld>
             <a:endParaRPr lang="ko-KR" altLang="en-US"/>
           </a:p>
@@ -2159,7 +2159,7 @@
           <a:p>
             <a:fld id="{C59B2F8B-1141-419B-B190-8B28C03E6AB8}" type="datetimeFigureOut">
               <a:rPr lang="ko-KR" altLang="en-US" smtClean="0"/>
-              <a:t>2022-07-04</a:t>
+              <a:t>2022-07-17</a:t>
             </a:fld>
             <a:endParaRPr lang="ko-KR" altLang="en-US"/>
           </a:p>
@@ -2277,7 +2277,7 @@
           <a:p>
             <a:fld id="{C59B2F8B-1141-419B-B190-8B28C03E6AB8}" type="datetimeFigureOut">
               <a:rPr lang="ko-KR" altLang="en-US" smtClean="0"/>
-              <a:t>2022-07-04</a:t>
+              <a:t>2022-07-17</a:t>
             </a:fld>
             <a:endParaRPr lang="ko-KR" altLang="en-US"/>
           </a:p>
@@ -2372,7 +2372,7 @@
           <a:p>
             <a:fld id="{C59B2F8B-1141-419B-B190-8B28C03E6AB8}" type="datetimeFigureOut">
               <a:rPr lang="ko-KR" altLang="en-US" smtClean="0"/>
-              <a:t>2022-07-04</a:t>
+              <a:t>2022-07-17</a:t>
             </a:fld>
             <a:endParaRPr lang="ko-KR" altLang="en-US"/>
           </a:p>
@@ -2649,7 +2649,7 @@
           <a:p>
             <a:fld id="{C59B2F8B-1141-419B-B190-8B28C03E6AB8}" type="datetimeFigureOut">
               <a:rPr lang="ko-KR" altLang="en-US" smtClean="0"/>
-              <a:t>2022-07-04</a:t>
+              <a:t>2022-07-17</a:t>
             </a:fld>
             <a:endParaRPr lang="ko-KR" altLang="en-US"/>
           </a:p>
@@ -2902,7 +2902,7 @@
           <a:p>
             <a:fld id="{C59B2F8B-1141-419B-B190-8B28C03E6AB8}" type="datetimeFigureOut">
               <a:rPr lang="ko-KR" altLang="en-US" smtClean="0"/>
-              <a:t>2022-07-04</a:t>
+              <a:t>2022-07-17</a:t>
             </a:fld>
             <a:endParaRPr lang="ko-KR" altLang="en-US"/>
           </a:p>
@@ -3115,7 +3115,7 @@
           <a:p>
             <a:fld id="{C59B2F8B-1141-419B-B190-8B28C03E6AB8}" type="datetimeFigureOut">
               <a:rPr lang="ko-KR" altLang="en-US" smtClean="0"/>
-              <a:t>2022-07-04</a:t>
+              <a:t>2022-07-17</a:t>
             </a:fld>
             <a:endParaRPr lang="ko-KR" altLang="en-US"/>
           </a:p>
